--- a/Presentation/Deloitte Hackthon DataDominators.pptx
+++ b/Presentation/Deloitte Hackthon DataDominators.pptx
@@ -12,21 +12,22 @@
     <p:sldId id="257" r:id="rId6"/>
     <p:sldId id="258" r:id="rId7"/>
     <p:sldId id="259" r:id="rId8"/>
+    <p:sldId id="260" r:id="rId9"/>
   </p:sldIdLst>
   <p:sldSz cy="5143500" cx="9144000"/>
   <p:notesSz cx="6858000" cy="9144000"/>
   <p:embeddedFontLst>
     <p:embeddedFont>
       <p:font typeface="Nunito"/>
-      <p:regular r:id="rId9"/>
-      <p:bold r:id="rId10"/>
-      <p:italic r:id="rId11"/>
-      <p:boldItalic r:id="rId12"/>
+      <p:regular r:id="rId10"/>
+      <p:bold r:id="rId11"/>
+      <p:italic r:id="rId12"/>
+      <p:boldItalic r:id="rId13"/>
     </p:embeddedFont>
     <p:embeddedFont>
       <p:font typeface="Maven Pro"/>
-      <p:regular r:id="rId13"/>
-      <p:bold r:id="rId14"/>
+      <p:regular r:id="rId14"/>
+      <p:bold r:id="rId15"/>
     </p:embeddedFont>
   </p:embeddedFontLst>
   <p:defaultTextStyle>
@@ -1032,6 +1033,104 @@
       <p:sp>
         <p:nvSpPr>
           <p:cNvPr id="293" name="Shape 293"/>
+          <p:cNvSpPr txBox="1"/>
+          <p:nvPr>
+            <p:ph idx="1" type="body"/>
+          </p:nvPr>
+        </p:nvSpPr>
+        <p:spPr>
+          <a:xfrm>
+            <a:off x="685800" y="4343400"/>
+            <a:ext cx="5486400" cy="4114800"/>
+          </a:xfrm>
+          <a:prstGeom prst="rect">
+            <a:avLst/>
+          </a:prstGeom>
+        </p:spPr>
+        <p:txBody>
+          <a:bodyPr anchorCtr="0" anchor="t" bIns="91425" lIns="91425" spcFirstLastPara="1" rIns="91425" wrap="square" tIns="91425">
+            <a:noAutofit/>
+          </a:bodyPr>
+          <a:lstStyle/>
+          <a:p>
+            <a:pPr indent="0" lvl="0" marL="0">
+              <a:spcBef>
+                <a:spcPts val="0"/>
+              </a:spcBef>
+              <a:spcAft>
+                <a:spcPts val="0"/>
+              </a:spcAft>
+              <a:buNone/>
+            </a:pPr>
+            <a:r>
+              <a:t/>
+            </a:r>
+            <a:endParaRPr/>
+          </a:p>
+        </p:txBody>
+      </p:sp>
+    </p:spTree>
+  </p:cSld>
+  <p:clrMapOvr>
+    <a:masterClrMapping/>
+  </p:clrMapOvr>
+</p:notes>
+</file>
+
+<file path=ppt/notesSlides/notesSlide5.xml><?xml version="1.0" encoding="utf-8"?>
+<p:notes xmlns:a="http://schemas.openxmlformats.org/drawingml/2006/main" xmlns:r="http://schemas.openxmlformats.org/officeDocument/2006/relationships" xmlns:mc="http://schemas.openxmlformats.org/markup-compatibility/2006" xmlns:mv="urn:schemas-microsoft-com:mac:vml" xmlns:p="http://schemas.openxmlformats.org/presentationml/2006/main" xmlns:c="http://schemas.openxmlformats.org/drawingml/2006/chart" xmlns:dgm="http://schemas.openxmlformats.org/drawingml/2006/diagram" xmlns:o="urn:schemas-microsoft-com:office:office" xmlns:v="urn:schemas-microsoft-com:vml" xmlns:pvml="urn:schemas-microsoft-com:office:powerpoint" xmlns:com="http://schemas.openxmlformats.org/drawingml/2006/compatibility" xmlns:p14="http://schemas.microsoft.com/office/powerpoint/2010/main" xmlns:p15="http://schemas.microsoft.com/office/powerpoint/2012/main" showMasterPhAnim="0" showMasterSp="0">
+  <p:cSld>
+    <p:spTree>
+      <p:nvGrpSpPr>
+        <p:cNvPr id="297" name="Shape 297"/>
+        <p:cNvGrpSpPr/>
+        <p:nvPr/>
+      </p:nvGrpSpPr>
+      <p:grpSpPr>
+        <a:xfrm>
+          <a:off x="0" y="0"/>
+          <a:ext cx="0" cy="0"/>
+          <a:chOff x="0" y="0"/>
+          <a:chExt cx="0" cy="0"/>
+        </a:xfrm>
+      </p:grpSpPr>
+      <p:sp>
+        <p:nvSpPr>
+          <p:cNvPr id="298" name="Shape 298"/>
+          <p:cNvSpPr/>
+          <p:nvPr>
+            <p:ph idx="2" type="sldImg"/>
+          </p:nvPr>
+        </p:nvSpPr>
+        <p:spPr>
+          <a:xfrm>
+            <a:off x="381300" y="685800"/>
+            <a:ext cx="6096000" cy="3429000"/>
+          </a:xfrm>
+          <a:custGeom>
+            <a:pathLst>
+              <a:path extrusionOk="0" h="120000" w="120000">
+                <a:moveTo>
+                  <a:pt x="0" y="0"/>
+                </a:moveTo>
+                <a:lnTo>
+                  <a:pt x="120000" y="0"/>
+                </a:lnTo>
+                <a:lnTo>
+                  <a:pt x="120000" y="120000"/>
+                </a:lnTo>
+                <a:lnTo>
+                  <a:pt x="0" y="120000"/>
+                </a:lnTo>
+                <a:close/>
+              </a:path>
+            </a:pathLst>
+          </a:custGeom>
+        </p:spPr>
+      </p:sp>
+      <p:sp>
+        <p:nvSpPr>
+          <p:cNvPr id="299" name="Shape 299"/>
           <p:cNvSpPr txBox="1"/>
           <p:nvPr>
             <p:ph idx="1" type="body"/>
@@ -16105,6 +16204,143 @@
 </p:sld>
 </file>
 
+<file path=ppt/slides/slide5.xml><?xml version="1.0" encoding="utf-8"?>
+<p:sld xmlns:a="http://schemas.openxmlformats.org/drawingml/2006/main" xmlns:r="http://schemas.openxmlformats.org/officeDocument/2006/relationships" xmlns:mc="http://schemas.openxmlformats.org/markup-compatibility/2006" xmlns:mv="urn:schemas-microsoft-com:mac:vml" xmlns:p="http://schemas.openxmlformats.org/presentationml/2006/main" xmlns:c="http://schemas.openxmlformats.org/drawingml/2006/chart" xmlns:dgm="http://schemas.openxmlformats.org/drawingml/2006/diagram" xmlns:o="urn:schemas-microsoft-com:office:office" xmlns:v="urn:schemas-microsoft-com:vml" xmlns:pvml="urn:schemas-microsoft-com:office:powerpoint" xmlns:com="http://schemas.openxmlformats.org/drawingml/2006/compatibility" xmlns:p14="http://schemas.microsoft.com/office/powerpoint/2010/main" xmlns:p15="http://schemas.microsoft.com/office/powerpoint/2012/main">
+  <p:cSld>
+    <p:spTree>
+      <p:nvGrpSpPr>
+        <p:cNvPr id="300" name="Shape 300"/>
+        <p:cNvGrpSpPr/>
+        <p:nvPr/>
+      </p:nvGrpSpPr>
+      <p:grpSpPr>
+        <a:xfrm>
+          <a:off x="0" y="0"/>
+          <a:ext cx="0" cy="0"/>
+          <a:chOff x="0" y="0"/>
+          <a:chExt cx="0" cy="0"/>
+        </a:xfrm>
+      </p:grpSpPr>
+      <p:sp>
+        <p:nvSpPr>
+          <p:cNvPr id="301" name="Shape 301"/>
+          <p:cNvSpPr txBox="1"/>
+          <p:nvPr>
+            <p:ph type="title"/>
+          </p:nvPr>
+        </p:nvSpPr>
+        <p:spPr>
+          <a:xfrm>
+            <a:off x="1303800" y="598575"/>
+            <a:ext cx="7030500" cy="999300"/>
+          </a:xfrm>
+          <a:prstGeom prst="rect">
+            <a:avLst/>
+          </a:prstGeom>
+        </p:spPr>
+        <p:txBody>
+          <a:bodyPr anchorCtr="0" anchor="t" bIns="91425" lIns="91425" spcFirstLastPara="1" rIns="91425" wrap="square" tIns="91425">
+            <a:noAutofit/>
+          </a:bodyPr>
+          <a:lstStyle/>
+          <a:p>
+            <a:pPr indent="0" lvl="0" marL="0">
+              <a:spcBef>
+                <a:spcPts val="0"/>
+              </a:spcBef>
+              <a:spcAft>
+                <a:spcPts val="0"/>
+              </a:spcAft>
+              <a:buNone/>
+            </a:pPr>
+            <a:r>
+              <a:rPr lang="en"/>
+              <a:t>Contributions</a:t>
+            </a:r>
+            <a:endParaRPr/>
+          </a:p>
+        </p:txBody>
+      </p:sp>
+      <p:sp>
+        <p:nvSpPr>
+          <p:cNvPr id="302" name="Shape 302"/>
+          <p:cNvSpPr txBox="1"/>
+          <p:nvPr>
+            <p:ph idx="1" type="body"/>
+          </p:nvPr>
+        </p:nvSpPr>
+        <p:spPr>
+          <a:xfrm>
+            <a:off x="1303800" y="1990050"/>
+            <a:ext cx="7030500" cy="2541600"/>
+          </a:xfrm>
+          <a:prstGeom prst="rect">
+            <a:avLst/>
+          </a:prstGeom>
+        </p:spPr>
+        <p:txBody>
+          <a:bodyPr anchorCtr="0" anchor="t" bIns="91425" lIns="91425" spcFirstLastPara="1" rIns="91425" wrap="square" tIns="91425">
+            <a:noAutofit/>
+          </a:bodyPr>
+          <a:lstStyle/>
+          <a:p>
+            <a:pPr indent="0" lvl="0" marL="0">
+              <a:spcBef>
+                <a:spcPts val="0"/>
+              </a:spcBef>
+              <a:spcAft>
+                <a:spcPts val="0"/>
+              </a:spcAft>
+              <a:buNone/>
+            </a:pPr>
+            <a:r>
+              <a:rPr lang="en"/>
+              <a:t>Data Part/ MySQL - Ramchalam K R</a:t>
+            </a:r>
+            <a:endParaRPr/>
+          </a:p>
+          <a:p>
+            <a:pPr indent="0" lvl="0" marL="0">
+              <a:spcBef>
+                <a:spcPts val="1600"/>
+              </a:spcBef>
+              <a:spcAft>
+                <a:spcPts val="0"/>
+              </a:spcAft>
+              <a:buNone/>
+            </a:pPr>
+            <a:r>
+              <a:rPr lang="en"/>
+              <a:t>Java interface - Jason</a:t>
+            </a:r>
+            <a:endParaRPr/>
+          </a:p>
+          <a:p>
+            <a:pPr indent="0" lvl="0" marL="0">
+              <a:spcBef>
+                <a:spcPts val="1600"/>
+              </a:spcBef>
+              <a:spcAft>
+                <a:spcPts val="1600"/>
+              </a:spcAft>
+              <a:buNone/>
+            </a:pPr>
+            <a:r>
+              <a:rPr lang="en"/>
+              <a:t>Salesforce - Xavier</a:t>
+            </a:r>
+            <a:endParaRPr/>
+          </a:p>
+        </p:txBody>
+      </p:sp>
+    </p:spTree>
+  </p:cSld>
+  <p:clrMapOvr>
+    <a:masterClrMapping/>
+  </p:clrMapOvr>
+</p:sld>
+</file>
+
 <file path=ppt/theme/theme1.xml><?xml version="1.0" encoding="utf-8"?>
 <a:theme xmlns:a="http://schemas.openxmlformats.org/drawingml/2006/main" xmlns:r="http://schemas.openxmlformats.org/officeDocument/2006/relationships">
   <a:themeElements>

--- a/Presentation/Deloitte Hackthon DataDominators.pptx
+++ b/Presentation/Deloitte Hackthon DataDominators.pptx
@@ -16136,7 +16136,7 @@
             </a:pPr>
             <a:r>
               <a:rPr lang="en"/>
-              <a:t>Create a one time script to import the data without using the wizard for reducing manual inter</a:t>
+              <a:t>Create a one time script to import the data without using the wizard for reducing manual intervention.</a:t>
             </a:r>
             <a:endParaRPr/>
           </a:p>
@@ -16153,7 +16153,7 @@
             </a:pPr>
             <a:r>
               <a:rPr lang="en"/>
-              <a:t>Upload the data from part1 into a salesforce connected app</a:t>
+              <a:t>Upload the data from part1 into a salesforce connected app.</a:t>
             </a:r>
             <a:endParaRPr/>
           </a:p>
@@ -16174,7 +16174,7 @@
             </a:r>
             <a:r>
               <a:rPr lang="en"/>
-              <a:t>annotate</a:t>
+              <a:t>annotate.</a:t>
             </a:r>
             <a:endParaRPr/>
           </a:p>
